--- a/lectures/13_open_source_models/0_hugging_face_models.pptx
+++ b/lectures/13_open_source_models/0_hugging_face_models.pptx
@@ -5,7 +5,7 @@
     <p:sldMasterId id="2147483648" r:id="rId1"/>
   </p:sldMasterIdLst>
   <p:notesMasterIdLst>
-    <p:notesMasterId r:id="rId20"/>
+    <p:notesMasterId r:id="rId21"/>
   </p:notesMasterIdLst>
   <p:sldIdLst>
     <p:sldId id="256" r:id="rId2"/>
@@ -22,10 +22,11 @@
     <p:sldId id="290" r:id="rId13"/>
     <p:sldId id="297" r:id="rId14"/>
     <p:sldId id="291" r:id="rId15"/>
-    <p:sldId id="292" r:id="rId16"/>
-    <p:sldId id="293" r:id="rId17"/>
-    <p:sldId id="282" r:id="rId18"/>
-    <p:sldId id="298" r:id="rId19"/>
+    <p:sldId id="299" r:id="rId16"/>
+    <p:sldId id="292" r:id="rId17"/>
+    <p:sldId id="293" r:id="rId18"/>
+    <p:sldId id="282" r:id="rId19"/>
+    <p:sldId id="298" r:id="rId20"/>
   </p:sldIdLst>
   <p:sldSz cx="12192000" cy="6858000"/>
   <p:notesSz cx="6858000" cy="9144000"/>
@@ -3388,7 +3389,7 @@
   <pc:docChgLst>
     <pc:chgData name="Weifeng Xu" userId="e7aed605-a3dd-4d5a-a692-a87037af107b" providerId="ADAL" clId="{6AFC5E8B-8076-4963-9385-090C45076796}"/>
     <pc:docChg chg="undo custSel addSld delSld modSld">
-      <pc:chgData name="Weifeng Xu" userId="e7aed605-a3dd-4d5a-a692-a87037af107b" providerId="ADAL" clId="{6AFC5E8B-8076-4963-9385-090C45076796}" dt="2025-05-14T20:40:15.736" v="207" actId="1076"/>
+      <pc:chgData name="Weifeng Xu" userId="e7aed605-a3dd-4d5a-a692-a87037af107b" providerId="ADAL" clId="{6AFC5E8B-8076-4963-9385-090C45076796}" dt="2025-05-15T00:38:02.346" v="259" actId="1076"/>
       <pc:docMkLst>
         <pc:docMk/>
       </pc:docMkLst>
@@ -4025,6 +4026,53 @@
             <ac:spMk id="3" creationId="{41282B48-FDBF-3A02-FF7D-3256877E59DF}"/>
           </ac:spMkLst>
         </pc:spChg>
+      </pc:sldChg>
+      <pc:sldChg chg="addSp delSp modSp new mod modClrScheme chgLayout">
+        <pc:chgData name="Weifeng Xu" userId="e7aed605-a3dd-4d5a-a692-a87037af107b" providerId="ADAL" clId="{6AFC5E8B-8076-4963-9385-090C45076796}" dt="2025-05-15T00:38:02.346" v="259" actId="1076"/>
+        <pc:sldMkLst>
+          <pc:docMk/>
+          <pc:sldMk cId="3280995612" sldId="299"/>
+        </pc:sldMkLst>
+        <pc:spChg chg="del mod ord">
+          <ac:chgData name="Weifeng Xu" userId="e7aed605-a3dd-4d5a-a692-a87037af107b" providerId="ADAL" clId="{6AFC5E8B-8076-4963-9385-090C45076796}" dt="2025-05-15T00:37:14.075" v="209" actId="700"/>
+          <ac:spMkLst>
+            <pc:docMk/>
+            <pc:sldMk cId="3280995612" sldId="299"/>
+            <ac:spMk id="2" creationId="{7F4F4A12-61AB-82CC-B563-B01ACE285746}"/>
+          </ac:spMkLst>
+        </pc:spChg>
+        <pc:spChg chg="del">
+          <ac:chgData name="Weifeng Xu" userId="e7aed605-a3dd-4d5a-a692-a87037af107b" providerId="ADAL" clId="{6AFC5E8B-8076-4963-9385-090C45076796}" dt="2025-05-15T00:37:14.075" v="209" actId="700"/>
+          <ac:spMkLst>
+            <pc:docMk/>
+            <pc:sldMk cId="3280995612" sldId="299"/>
+            <ac:spMk id="3" creationId="{9519D70E-17D0-FA6A-6F3F-791D3658306E}"/>
+          </ac:spMkLst>
+        </pc:spChg>
+        <pc:spChg chg="add mod ord">
+          <ac:chgData name="Weifeng Xu" userId="e7aed605-a3dd-4d5a-a692-a87037af107b" providerId="ADAL" clId="{6AFC5E8B-8076-4963-9385-090C45076796}" dt="2025-05-15T00:37:23.716" v="253" actId="20577"/>
+          <ac:spMkLst>
+            <pc:docMk/>
+            <pc:sldMk cId="3280995612" sldId="299"/>
+            <ac:spMk id="4" creationId="{12640C42-1854-67F5-2671-1B26EFB54517}"/>
+          </ac:spMkLst>
+        </pc:spChg>
+        <pc:picChg chg="add mod">
+          <ac:chgData name="Weifeng Xu" userId="e7aed605-a3dd-4d5a-a692-a87037af107b" providerId="ADAL" clId="{6AFC5E8B-8076-4963-9385-090C45076796}" dt="2025-05-15T00:37:56.177" v="257" actId="1076"/>
+          <ac:picMkLst>
+            <pc:docMk/>
+            <pc:sldMk cId="3280995612" sldId="299"/>
+            <ac:picMk id="6" creationId="{BE40500A-45FA-0EA2-6FB6-D1B8FFFC30EC}"/>
+          </ac:picMkLst>
+        </pc:picChg>
+        <pc:picChg chg="add mod">
+          <ac:chgData name="Weifeng Xu" userId="e7aed605-a3dd-4d5a-a692-a87037af107b" providerId="ADAL" clId="{6AFC5E8B-8076-4963-9385-090C45076796}" dt="2025-05-15T00:38:02.346" v="259" actId="1076"/>
+          <ac:picMkLst>
+            <pc:docMk/>
+            <pc:sldMk cId="3280995612" sldId="299"/>
+            <ac:picMk id="8" creationId="{DC88DA43-7811-2D33-9308-F604D73D0FB6}"/>
+          </ac:picMkLst>
+        </pc:picChg>
       </pc:sldChg>
     </pc:docChg>
   </pc:docChgLst>
@@ -8361,6 +8409,124 @@
       </p:grpSpPr>
       <p:sp>
         <p:nvSpPr>
+          <p:cNvPr id="4" name="Title 3">
+            <a:extLst>
+              <a:ext uri="{FF2B5EF4-FFF2-40B4-BE49-F238E27FC236}">
+                <a16:creationId xmlns:a16="http://schemas.microsoft.com/office/drawing/2014/main" id="{12640C42-1854-67F5-2671-1B26EFB54517}"/>
+              </a:ext>
+            </a:extLst>
+          </p:cNvPr>
+          <p:cNvSpPr>
+            <a:spLocks noGrp="1"/>
+          </p:cNvSpPr>
+          <p:nvPr>
+            <p:ph type="title"/>
+          </p:nvPr>
+        </p:nvSpPr>
+        <p:spPr/>
+        <p:txBody>
+          <a:bodyPr/>
+          <a:lstStyle/>
+          <a:p>
+            <a:r>
+              <a:rPr lang="en-US" dirty="0"/>
+              <a:t>Two different methods to load models</a:t>
+            </a:r>
+          </a:p>
+        </p:txBody>
+      </p:sp>
+      <p:pic>
+        <p:nvPicPr>
+          <p:cNvPr id="6" name="Picture 5">
+            <a:extLst>
+              <a:ext uri="{FF2B5EF4-FFF2-40B4-BE49-F238E27FC236}">
+                <a16:creationId xmlns:a16="http://schemas.microsoft.com/office/drawing/2014/main" id="{BE40500A-45FA-0EA2-6FB6-D1B8FFFC30EC}"/>
+              </a:ext>
+            </a:extLst>
+          </p:cNvPr>
+          <p:cNvPicPr>
+            <a:picLocks noChangeAspect="1"/>
+          </p:cNvPicPr>
+          <p:nvPr/>
+        </p:nvPicPr>
+        <p:blipFill>
+          <a:blip r:embed="rId2"/>
+          <a:stretch>
+            <a:fillRect/>
+          </a:stretch>
+        </p:blipFill>
+        <p:spPr>
+          <a:xfrm>
+            <a:off x="892444" y="1690688"/>
+            <a:ext cx="9042424" cy="3716436"/>
+          </a:xfrm>
+          <a:prstGeom prst="rect">
+            <a:avLst/>
+          </a:prstGeom>
+        </p:spPr>
+      </p:pic>
+      <p:pic>
+        <p:nvPicPr>
+          <p:cNvPr id="8" name="Picture 7">
+            <a:extLst>
+              <a:ext uri="{FF2B5EF4-FFF2-40B4-BE49-F238E27FC236}">
+                <a16:creationId xmlns:a16="http://schemas.microsoft.com/office/drawing/2014/main" id="{DC88DA43-7811-2D33-9308-F604D73D0FB6}"/>
+              </a:ext>
+            </a:extLst>
+          </p:cNvPr>
+          <p:cNvPicPr>
+            <a:picLocks noChangeAspect="1"/>
+          </p:cNvPicPr>
+          <p:nvPr/>
+        </p:nvPicPr>
+        <p:blipFill>
+          <a:blip r:embed="rId3"/>
+          <a:stretch>
+            <a:fillRect/>
+          </a:stretch>
+        </p:blipFill>
+        <p:spPr>
+          <a:xfrm>
+            <a:off x="6153860" y="5565977"/>
+            <a:ext cx="5944115" cy="1272650"/>
+          </a:xfrm>
+          <a:prstGeom prst="rect">
+            <a:avLst/>
+          </a:prstGeom>
+        </p:spPr>
+      </p:pic>
+    </p:spTree>
+    <p:extLst>
+      <p:ext uri="{BB962C8B-B14F-4D97-AF65-F5344CB8AC3E}">
+        <p14:creationId xmlns:p14="http://schemas.microsoft.com/office/powerpoint/2010/main" val="3280995612"/>
+      </p:ext>
+    </p:extLst>
+  </p:cSld>
+  <p:clrMapOvr>
+    <a:masterClrMapping/>
+  </p:clrMapOvr>
+</p:sld>
+</file>
+
+<file path=ppt/slides/slide16.xml><?xml version="1.0" encoding="utf-8"?>
+<p:sld xmlns:a="http://schemas.openxmlformats.org/drawingml/2006/main" xmlns:r="http://schemas.openxmlformats.org/officeDocument/2006/relationships" xmlns:p="http://schemas.openxmlformats.org/presentationml/2006/main">
+  <p:cSld>
+    <p:spTree>
+      <p:nvGrpSpPr>
+        <p:cNvPr id="1" name=""/>
+        <p:cNvGrpSpPr/>
+        <p:nvPr/>
+      </p:nvGrpSpPr>
+      <p:grpSpPr>
+        <a:xfrm>
+          <a:off x="0" y="0"/>
+          <a:ext cx="0" cy="0"/>
+          <a:chOff x="0" y="0"/>
+          <a:chExt cx="0" cy="0"/>
+        </a:xfrm>
+      </p:grpSpPr>
+      <p:sp>
+        <p:nvSpPr>
           <p:cNvPr id="2" name="Title 1">
             <a:extLst>
               <a:ext uri="{FF2B5EF4-FFF2-40B4-BE49-F238E27FC236}">
@@ -8513,7 +8679,7 @@
 </p:sld>
 </file>
 
-<file path=ppt/slides/slide16.xml><?xml version="1.0" encoding="utf-8"?>
+<file path=ppt/slides/slide17.xml><?xml version="1.0" encoding="utf-8"?>
 <p:sld xmlns:a="http://schemas.openxmlformats.org/drawingml/2006/main" xmlns:r="http://schemas.openxmlformats.org/officeDocument/2006/relationships" xmlns:p="http://schemas.openxmlformats.org/presentationml/2006/main">
   <p:cSld>
     <p:spTree>
@@ -8636,7 +8802,7 @@
 </p:sld>
 </file>
 
-<file path=ppt/slides/slide17.xml><?xml version="1.0" encoding="utf-8"?>
+<file path=ppt/slides/slide18.xml><?xml version="1.0" encoding="utf-8"?>
 <p:sld xmlns:a="http://schemas.openxmlformats.org/drawingml/2006/main" xmlns:r="http://schemas.openxmlformats.org/officeDocument/2006/relationships" xmlns:p="http://schemas.openxmlformats.org/presentationml/2006/main">
   <p:cSld>
     <p:spTree>
@@ -8722,7 +8888,7 @@
 </p:sld>
 </file>
 
-<file path=ppt/slides/slide18.xml><?xml version="1.0" encoding="utf-8"?>
+<file path=ppt/slides/slide19.xml><?xml version="1.0" encoding="utf-8"?>
 <p:sld xmlns:a="http://schemas.openxmlformats.org/drawingml/2006/main" xmlns:r="http://schemas.openxmlformats.org/officeDocument/2006/relationships" xmlns:p="http://schemas.openxmlformats.org/presentationml/2006/main">
   <p:cSld>
     <p:spTree>
